--- a/Documentation/EduSchool_Presentation.pptx
+++ b/Documentation/EduSchool_Presentation.pptx
@@ -33851,7 +33851,7 @@
         </p:blipFill>
         <p:spPr>
           <a:xfrm>
-            <a:off x="567479" y="2205392"/>
+            <a:off x="1851761" y="1990679"/>
             <a:ext cx="1686045" cy="1677901"/>
           </a:xfrm>
           <a:prstGeom prst="rect">
@@ -33881,7 +33881,7 @@
         </p:blipFill>
         <p:spPr>
           <a:xfrm>
-            <a:off x="5381542" y="2242307"/>
+            <a:off x="4330308" y="2064508"/>
             <a:ext cx="1428915" cy="1604072"/>
           </a:xfrm>
           <a:prstGeom prst="rect">
@@ -33911,7 +33911,7 @@
         </p:blipFill>
         <p:spPr>
           <a:xfrm>
-            <a:off x="5192416" y="4244021"/>
+            <a:off x="4130126" y="4244021"/>
             <a:ext cx="1683950" cy="1562427"/>
           </a:xfrm>
           <a:prstGeom prst="rect">
@@ -33941,7 +33941,7 @@
         </p:blipFill>
         <p:spPr>
           <a:xfrm>
-            <a:off x="2914051" y="4297475"/>
+            <a:off x="1851761" y="4298165"/>
             <a:ext cx="1550232" cy="1541667"/>
           </a:xfrm>
           <a:prstGeom prst="rect">
@@ -33971,7 +33971,7 @@
         </p:blipFill>
         <p:spPr>
           <a:xfrm>
-            <a:off x="7604500" y="4150600"/>
+            <a:off x="6377926" y="4054867"/>
             <a:ext cx="1835415" cy="1835415"/>
           </a:xfrm>
           <a:prstGeom prst="rect">
@@ -34001,7 +34001,7 @@
         </p:blipFill>
         <p:spPr>
           <a:xfrm>
-            <a:off x="10233958" y="4244021"/>
+            <a:off x="8847592" y="4230273"/>
             <a:ext cx="1492647" cy="1457108"/>
           </a:xfrm>
           <a:prstGeom prst="rect">
@@ -34031,38 +34031,8 @@
         </p:blipFill>
         <p:spPr>
           <a:xfrm>
-            <a:off x="750169" y="4435492"/>
+            <a:off x="8913294" y="2233725"/>
             <a:ext cx="1320664" cy="1265637"/>
-          </a:xfrm>
-          <a:prstGeom prst="rect">
-            <a:avLst/>
-          </a:prstGeom>
-        </p:spPr>
-      </p:pic>
-      <p:pic>
-        <p:nvPicPr>
-          <p:cNvPr id="11" name="Picture 10">
-            <a:extLst>
-              <a:ext uri="{FF2B5EF4-FFF2-40B4-BE49-F238E27FC236}">
-                <a16:creationId xmlns:a16="http://schemas.microsoft.com/office/drawing/2014/main" id="{05E9551E-4A5E-2750-64C4-42E3F3035A5D}"/>
-              </a:ext>
-            </a:extLst>
-          </p:cNvPr>
-          <p:cNvPicPr>
-            <a:picLocks noChangeAspect="1"/>
-          </p:cNvPicPr>
-          <p:nvPr/>
-        </p:nvPicPr>
-        <p:blipFill>
-          <a:blip r:embed="rId9"/>
-          <a:stretch>
-            <a:fillRect/>
-          </a:stretch>
-        </p:blipFill>
-        <p:spPr>
-          <a:xfrm>
-            <a:off x="10176373" y="2547459"/>
-            <a:ext cx="1550232" cy="1195151"/>
           </a:xfrm>
           <a:prstGeom prst="rect">
             <a:avLst/>
@@ -34084,85 +34054,15 @@
           <p:nvPr/>
         </p:nvPicPr>
         <p:blipFill>
-          <a:blip r:embed="rId10"/>
+          <a:blip r:embed="rId9"/>
           <a:stretch>
             <a:fillRect/>
           </a:stretch>
         </p:blipFill>
         <p:spPr>
           <a:xfrm>
-            <a:off x="7708882" y="2277312"/>
+            <a:off x="6551725" y="2044171"/>
             <a:ext cx="1569067" cy="1569067"/>
-          </a:xfrm>
-          <a:prstGeom prst="rect">
-            <a:avLst/>
-          </a:prstGeom>
-        </p:spPr>
-      </p:pic>
-      <p:pic>
-        <p:nvPicPr>
-          <p:cNvPr id="13" name="Picture 12">
-            <a:extLst>
-              <a:ext uri="{FF2B5EF4-FFF2-40B4-BE49-F238E27FC236}">
-                <a16:creationId xmlns:a16="http://schemas.microsoft.com/office/drawing/2014/main" id="{FBA4B893-6F32-91CB-4EE5-407B3BFFBB37}"/>
-              </a:ext>
-            </a:extLst>
-          </p:cNvPr>
-          <p:cNvPicPr>
-            <a:picLocks noChangeAspect="1"/>
-          </p:cNvPicPr>
-          <p:nvPr/>
-        </p:nvPicPr>
-        <p:blipFill>
-          <a:blip r:embed="rId11">
-            <a:extLst>
-              <a:ext uri="{BEBA8EAE-BF5A-486C-A8C5-ECC9F3942E4B}">
-                <a14:imgProps xmlns:a14="http://schemas.microsoft.com/office/drawing/2010/main">
-                  <a14:imgLayer r:embed="rId12">
-                    <a14:imgEffect>
-                      <a14:backgroundRemoval t="2393" b="97314" l="1270" r="99268">
-                        <a14:foregroundMark x1="9619" y1="26758" x2="4199" y2="35742"/>
-                        <a14:foregroundMark x1="4199" y1="35742" x2="5127" y2="36865"/>
-                        <a14:foregroundMark x1="2002" y1="31396" x2="2637" y2="35889"/>
-                        <a14:foregroundMark x1="2490" y1="63135" x2="2832" y2="69141"/>
-                        <a14:foregroundMark x1="1318" y1="65625" x2="1807" y2="67432"/>
-                        <a14:foregroundMark x1="2295" y1="35742" x2="1318" y2="32422"/>
-                        <a14:foregroundMark x1="65967" y1="9326" x2="75439" y2="3662"/>
-                        <a14:foregroundMark x1="75439" y1="3662" x2="82227" y2="10449"/>
-                        <a14:foregroundMark x1="82227" y1="10449" x2="89893" y2="28955"/>
-                        <a14:foregroundMark x1="89893" y1="28955" x2="94678" y2="72754"/>
-                        <a14:foregroundMark x1="72266" y1="2490" x2="95020" y2="13770"/>
-                        <a14:foregroundMark x1="97363" y1="14307" x2="99268" y2="44385"/>
-                        <a14:foregroundMark x1="99268" y1="44385" x2="99023" y2="45215"/>
-                        <a14:foregroundMark x1="80964" y1="96708" x2="74707" y2="97314"/>
-                        <a14:foregroundMark x1="74707" y1="97314" x2="72412" y2="95557"/>
-                        <a14:foregroundMark x1="79736" y1="96191" x2="95361" y2="88867"/>
-                        <a14:foregroundMark x1="89893" y1="91553" x2="81738" y2="95557"/>
-                        <a14:foregroundMark x1="84912" y1="93701" x2="82080" y2="95361"/>
-                        <a14:foregroundMark x1="86865" y1="92041" x2="79736" y2="96191"/>
-                        <a14:foregroundMark x1="84570" y1="94385" x2="77588" y2="96875"/>
-                        <a14:foregroundMark x1="83545" y1="94531" x2="78760" y2="97021"/>
-                        <a14:backgroundMark x1="81885" y1="97363" x2="91406" y2="92920"/>
-                        <a14:backgroundMark x1="91406" y1="92920" x2="92383" y2="92871"/>
-                        <a14:backgroundMark x1="79248" y1="98047" x2="95020" y2="93066"/>
-                        <a14:backgroundMark x1="85071" y1="95000" x2="86367" y2="94174"/>
-                        <a14:backgroundMark x1="78760" y1="99023" x2="84938" y2="95085"/>
-                        <a14:backgroundMark x1="79590" y1="98340" x2="82382" y2="95996"/>
-                      </a14:backgroundRemoval>
-                    </a14:imgEffect>
-                  </a14:imgLayer>
-                </a14:imgProps>
-              </a:ext>
-            </a:extLst>
-          </a:blip>
-          <a:stretch>
-            <a:fillRect/>
-          </a:stretch>
-        </p:blipFill>
-        <p:spPr>
-          <a:xfrm>
-            <a:off x="2975558" y="2219870"/>
-            <a:ext cx="1683950" cy="1683950"/>
           </a:xfrm>
           <a:prstGeom prst="rect">
             <a:avLst/>
